--- a/Volunteer/Programming/HTML_3.pptx
+++ b/Volunteer/Programming/HTML_3.pptx
@@ -9324,7 +9324,7 @@
         <p:spPr>
           <a:xfrm>
             <a:off x="1880974" y="1231900"/>
-            <a:ext cx="7022996" cy="5078313"/>
+            <a:ext cx="6337051" cy="4801314"/>
           </a:xfrm>
           <a:prstGeom prst="rect">
             <a:avLst/>
@@ -9343,15 +9343,7 @@
               <a:rPr lang="en-US" dirty="0">
                 <a:latin typeface="Consolas" panose="020B0609020204030204" pitchFamily="49" charset="0"/>
               </a:rPr>
-              <a:t>&lt;li&gt;People</a:t>
-            </a:r>
-          </a:p>
-          <a:p>
-            <a:r>
-              <a:rPr lang="en-US" dirty="0">
-                <a:latin typeface="Consolas" panose="020B0609020204030204" pitchFamily="49" charset="0"/>
-              </a:rPr>
-              <a:t>		&lt;ul&gt;</a:t>
+              <a:t>&lt;ul&gt;</a:t>
             </a:r>
           </a:p>
           <a:p>
@@ -9428,21 +9420,17 @@
             </a:endParaRPr>
           </a:p>
           <a:p>
+            <a:endParaRPr lang="en-US" dirty="0">
+              <a:latin typeface="Consolas" panose="020B0609020204030204" pitchFamily="49" charset="0"/>
+            </a:endParaRPr>
+          </a:p>
+          <a:p>
             <a:r>
               <a:rPr lang="en-US" dirty="0">
                 <a:latin typeface="Consolas" panose="020B0609020204030204" pitchFamily="49" charset="0"/>
               </a:rPr>
-              <a:t>		&lt;/ul&gt;</a:t>
-            </a:r>
-          </a:p>
-          <a:p>
-            <a:r>
-              <a:rPr lang="en-US" dirty="0">
-                <a:latin typeface="Consolas" panose="020B0609020204030204" pitchFamily="49" charset="0"/>
-              </a:rPr>
-              <a:t>&lt;/li&gt;</a:t>
-            </a:r>
-            <a:endParaRPr lang="en-US" dirty="0"/>
+              <a:t>&lt;/ul&gt;</a:t>
+            </a:r>
           </a:p>
         </p:txBody>
       </p:sp>
@@ -9460,7 +9448,7 @@
         </p:nvSpPr>
         <p:spPr>
           <a:xfrm>
-            <a:off x="3359034" y="1864229"/>
+            <a:off x="2548806" y="1852655"/>
             <a:ext cx="5016731" cy="1863090"/>
           </a:xfrm>
           <a:prstGeom prst="rect">
@@ -9554,7 +9542,7 @@
         </p:nvSpPr>
         <p:spPr>
           <a:xfrm>
-            <a:off x="3359034" y="3807329"/>
+            <a:off x="2548806" y="3763010"/>
             <a:ext cx="5016731" cy="1863090"/>
           </a:xfrm>
           <a:prstGeom prst="rect">
@@ -10200,6 +10188,15 @@
 </file>
 
 <file path=customXml/item1.xml><?xml version="1.0" encoding="utf-8"?>
+<?mso-contentType ?>
+<FormTemplates xmlns="http://schemas.microsoft.com/sharepoint/v3/contenttype/forms">
+  <Display>DocumentLibraryForm</Display>
+  <Edit>DocumentLibraryForm</Edit>
+  <New>DocumentLibraryForm</New>
+</FormTemplates>
+</file>
+
+<file path=customXml/item2.xml><?xml version="1.0" encoding="utf-8"?>
 <p:properties xmlns:p="http://schemas.microsoft.com/office/2006/metadata/properties" xmlns:xsi="http://www.w3.org/2001/XMLSchema-instance" xmlns:pc="http://schemas.microsoft.com/office/infopath/2007/PartnerControls">
   <documentManagement>
     <MediaServiceKeyPoints xmlns="71af3243-3dd4-4a8d-8c0d-dd76da1f02a5" xsi:nil="true"/>
@@ -10207,7 +10204,7 @@
 </p:properties>
 </file>
 
-<file path=customXml/item2.xml><?xml version="1.0" encoding="utf-8"?>
+<file path=customXml/item3.xml><?xml version="1.0" encoding="utf-8"?>
 <ct:contentTypeSchema xmlns:ct="http://schemas.microsoft.com/office/2006/metadata/contentType" xmlns:ma="http://schemas.microsoft.com/office/2006/metadata/properties/metaAttributes" ct:_="" ma:_="" ma:contentTypeName="Document" ma:contentTypeID="0x01010079F111ED35F8CC479449609E8A0923A6" ma:contentTypeVersion="11" ma:contentTypeDescription="Create a new document." ma:contentTypeScope="" ma:versionID="9677210f24a1be23c92c90fd886aa0aa">
   <xsd:schema xmlns:xsd="http://www.w3.org/2001/XMLSchema" xmlns:xs="http://www.w3.org/2001/XMLSchema" xmlns:p="http://schemas.microsoft.com/office/2006/metadata/properties" xmlns:ns2="71af3243-3dd4-4a8d-8c0d-dd76da1f02a5" xmlns:ns3="16c05727-aa75-4e4a-9b5f-8a80a1165891" targetNamespace="http://schemas.microsoft.com/office/2006/metadata/properties" ma:root="true" ma:fieldsID="60e05723c5c1908df1a1a4ebf11d344e" ns2:_="" ns3:_="">
     <xsd:import namespace="71af3243-3dd4-4a8d-8c0d-dd76da1f02a5"/>
@@ -10418,16 +10415,15 @@
 </ct:contentTypeSchema>
 </file>
 
-<file path=customXml/item3.xml><?xml version="1.0" encoding="utf-8"?>
-<?mso-contentType ?>
-<FormTemplates xmlns="http://schemas.microsoft.com/sharepoint/v3/contenttype/forms">
-  <Display>DocumentLibraryForm</Display>
-  <Edit>DocumentLibraryForm</Edit>
-  <New>DocumentLibraryForm</New>
-</FormTemplates>
+<file path=customXml/itemProps1.xml><?xml version="1.0" encoding="utf-8"?>
+<ds:datastoreItem xmlns:ds="http://schemas.openxmlformats.org/officeDocument/2006/customXml" ds:itemID="{9AEF1282-A6E9-4912-8AB9-8ED69BF7097D}">
+  <ds:schemaRefs>
+    <ds:schemaRef ds:uri="http://schemas.microsoft.com/sharepoint/v3/contenttype/forms"/>
+  </ds:schemaRefs>
+</ds:datastoreItem>
 </file>
 
-<file path=customXml/itemProps1.xml><?xml version="1.0" encoding="utf-8"?>
+<file path=customXml/itemProps2.xml><?xml version="1.0" encoding="utf-8"?>
 <ds:datastoreItem xmlns:ds="http://schemas.openxmlformats.org/officeDocument/2006/customXml" ds:itemID="{CC24F515-356D-4532-BE08-F6D7771916F0}">
   <ds:schemaRefs>
     <ds:schemaRef ds:uri="http://purl.org/dc/elements/1.1/"/>
@@ -10444,7 +10440,7 @@
 </ds:datastoreItem>
 </file>
 
-<file path=customXml/itemProps2.xml><?xml version="1.0" encoding="utf-8"?>
+<file path=customXml/itemProps3.xml><?xml version="1.0" encoding="utf-8"?>
 <ds:datastoreItem xmlns:ds="http://schemas.openxmlformats.org/officeDocument/2006/customXml" ds:itemID="{83E04B51-1D33-4F14-BBD7-79D7D27E2EE4}">
   <ds:schemaRefs>
     <ds:schemaRef ds:uri="http://schemas.microsoft.com/office/2006/metadata/contentType"/>
@@ -10461,12 +10457,4 @@
     <ds:schemaRef ds:uri="http://schemas.microsoft.com/internal/obd"/>
   </ds:schemaRefs>
 </ds:datastoreItem>
-</file>
-
-<file path=customXml/itemProps3.xml><?xml version="1.0" encoding="utf-8"?>
-<ds:datastoreItem xmlns:ds="http://schemas.openxmlformats.org/officeDocument/2006/customXml" ds:itemID="{9AEF1282-A6E9-4912-8AB9-8ED69BF7097D}">
-  <ds:schemaRefs>
-    <ds:schemaRef ds:uri="http://schemas.microsoft.com/sharepoint/v3/contenttype/forms"/>
-  </ds:schemaRefs>
-</ds:datastoreItem>
 </file>